--- a/ROC_power_app/SimulationDescription.pptx
+++ b/ROC_power_app/SimulationDescription.pptx
@@ -2,12 +2,12 @@
 <file path=ppt/presentation.xml><?xml version="1.0" encoding="utf-8"?>
 <p:presentation xmlns:a="http://schemas.openxmlformats.org/drawingml/2006/main" xmlns:r="http://schemas.openxmlformats.org/officeDocument/2006/relationships" xmlns:p="http://schemas.openxmlformats.org/presentationml/2006/main" saveSubsetFonts="1">
   <p:sldMasterIdLst>
-    <p:sldMasterId id="2147483660" r:id="rId1"/>
+    <p:sldMasterId id="2147483672" r:id="rId1"/>
   </p:sldMasterIdLst>
   <p:sldIdLst>
     <p:sldId id="256" r:id="rId2"/>
   </p:sldIdLst>
-  <p:sldSz cx="7199313" cy="6858000"/>
+  <p:sldSz cx="7199313" cy="7920038"/>
   <p:notesSz cx="6858000" cy="9144000"/>
   <p:defaultTextStyle>
     <a:defPPr>
@@ -104,6 +104,11 @@
       </a:defRPr>
     </a:lvl9pPr>
   </p:defaultTextStyle>
+  <p:extLst>
+    <p:ext uri="{EFAFB233-063F-42B5-8137-9DF3F51BA10A}">
+      <p15:sldGuideLst xmlns:p15="http://schemas.microsoft.com/office/powerpoint/2012/main"/>
+    </p:ext>
+  </p:extLst>
 </p:presentation>
 </file>
 
@@ -136,8 +141,8 @@
         </p:nvSpPr>
         <p:spPr>
           <a:xfrm>
-            <a:off x="539949" y="1122363"/>
-            <a:ext cx="6119416" cy="2387600"/>
+            <a:off x="539949" y="1296173"/>
+            <a:ext cx="6119416" cy="2757347"/>
           </a:xfrm>
         </p:spPr>
         <p:txBody>
@@ -168,8 +173,8 @@
         </p:nvSpPr>
         <p:spPr>
           <a:xfrm>
-            <a:off x="899914" y="3602038"/>
-            <a:ext cx="5399485" cy="1655762"/>
+            <a:off x="899914" y="4159854"/>
+            <a:ext cx="5399485" cy="1912175"/>
           </a:xfrm>
         </p:spPr>
         <p:txBody>
@@ -238,7 +243,7 @@
           <a:p>
             <a:fld id="{CF0750D3-DDE0-42CE-98AF-A59F3AFCB4B1}" type="datetimeFigureOut">
               <a:rPr lang="en-CA" smtClean="0"/>
-              <a:t>2021-11-18</a:t>
+              <a:t>2022-01-06</a:t>
             </a:fld>
             <a:endParaRPr lang="en-CA"/>
           </a:p>
@@ -289,7 +294,7 @@
     </p:spTree>
     <p:extLst>
       <p:ext uri="{BB962C8B-B14F-4D97-AF65-F5344CB8AC3E}">
-        <p14:creationId xmlns:p14="http://schemas.microsoft.com/office/powerpoint/2010/main" val="3291292581"/>
+        <p14:creationId xmlns:p14="http://schemas.microsoft.com/office/powerpoint/2010/main" val="4040513530"/>
       </p:ext>
     </p:extLst>
   </p:cSld>
@@ -408,7 +413,7 @@
           <a:p>
             <a:fld id="{CF0750D3-DDE0-42CE-98AF-A59F3AFCB4B1}" type="datetimeFigureOut">
               <a:rPr lang="en-CA" smtClean="0"/>
-              <a:t>2021-11-18</a:t>
+              <a:t>2022-01-06</a:t>
             </a:fld>
             <a:endParaRPr lang="en-CA"/>
           </a:p>
@@ -459,7 +464,7 @@
     </p:spTree>
     <p:extLst>
       <p:ext uri="{BB962C8B-B14F-4D97-AF65-F5344CB8AC3E}">
-        <p14:creationId xmlns:p14="http://schemas.microsoft.com/office/powerpoint/2010/main" val="2839762586"/>
+        <p14:creationId xmlns:p14="http://schemas.microsoft.com/office/powerpoint/2010/main" val="1237953330"/>
       </p:ext>
     </p:extLst>
   </p:cSld>
@@ -498,8 +503,8 @@
         </p:nvSpPr>
         <p:spPr>
           <a:xfrm>
-            <a:off x="5152009" y="365125"/>
-            <a:ext cx="1552352" cy="5811838"/>
+            <a:off x="5152009" y="421669"/>
+            <a:ext cx="1552352" cy="6711866"/>
           </a:xfrm>
         </p:spPr>
         <p:txBody>
@@ -526,8 +531,8 @@
         </p:nvSpPr>
         <p:spPr>
           <a:xfrm>
-            <a:off x="494953" y="365125"/>
-            <a:ext cx="4567064" cy="5811838"/>
+            <a:off x="494953" y="421669"/>
+            <a:ext cx="4567064" cy="6711866"/>
           </a:xfrm>
         </p:spPr>
         <p:txBody>
@@ -588,7 +593,7 @@
           <a:p>
             <a:fld id="{CF0750D3-DDE0-42CE-98AF-A59F3AFCB4B1}" type="datetimeFigureOut">
               <a:rPr lang="en-CA" smtClean="0"/>
-              <a:t>2021-11-18</a:t>
+              <a:t>2022-01-06</a:t>
             </a:fld>
             <a:endParaRPr lang="en-CA"/>
           </a:p>
@@ -639,7 +644,7 @@
     </p:spTree>
     <p:extLst>
       <p:ext uri="{BB962C8B-B14F-4D97-AF65-F5344CB8AC3E}">
-        <p14:creationId xmlns:p14="http://schemas.microsoft.com/office/powerpoint/2010/main" val="4212259738"/>
+        <p14:creationId xmlns:p14="http://schemas.microsoft.com/office/powerpoint/2010/main" val="181738239"/>
       </p:ext>
     </p:extLst>
   </p:cSld>
@@ -758,7 +763,7 @@
           <a:p>
             <a:fld id="{CF0750D3-DDE0-42CE-98AF-A59F3AFCB4B1}" type="datetimeFigureOut">
               <a:rPr lang="en-CA" smtClean="0"/>
-              <a:t>2021-11-18</a:t>
+              <a:t>2022-01-06</a:t>
             </a:fld>
             <a:endParaRPr lang="en-CA"/>
           </a:p>
@@ -809,7 +814,7 @@
     </p:spTree>
     <p:extLst>
       <p:ext uri="{BB962C8B-B14F-4D97-AF65-F5344CB8AC3E}">
-        <p14:creationId xmlns:p14="http://schemas.microsoft.com/office/powerpoint/2010/main" val="33307593"/>
+        <p14:creationId xmlns:p14="http://schemas.microsoft.com/office/powerpoint/2010/main" val="4131773570"/>
       </p:ext>
     </p:extLst>
   </p:cSld>
@@ -848,8 +853,8 @@
         </p:nvSpPr>
         <p:spPr>
           <a:xfrm>
-            <a:off x="491204" y="1709740"/>
-            <a:ext cx="6209407" cy="2852737"/>
+            <a:off x="491204" y="1974512"/>
+            <a:ext cx="6209407" cy="3294515"/>
           </a:xfrm>
         </p:spPr>
         <p:txBody>
@@ -880,8 +885,8 @@
         </p:nvSpPr>
         <p:spPr>
           <a:xfrm>
-            <a:off x="491204" y="4589465"/>
-            <a:ext cx="6209407" cy="1500187"/>
+            <a:off x="491204" y="5300194"/>
+            <a:ext cx="6209407" cy="1732508"/>
           </a:xfrm>
         </p:spPr>
         <p:txBody>
@@ -1002,7 +1007,7 @@
           <a:p>
             <a:fld id="{CF0750D3-DDE0-42CE-98AF-A59F3AFCB4B1}" type="datetimeFigureOut">
               <a:rPr lang="en-CA" smtClean="0"/>
-              <a:t>2021-11-18</a:t>
+              <a:t>2022-01-06</a:t>
             </a:fld>
             <a:endParaRPr lang="en-CA"/>
           </a:p>
@@ -1053,7 +1058,7 @@
     </p:spTree>
     <p:extLst>
       <p:ext uri="{BB962C8B-B14F-4D97-AF65-F5344CB8AC3E}">
-        <p14:creationId xmlns:p14="http://schemas.microsoft.com/office/powerpoint/2010/main" val="538029684"/>
+        <p14:creationId xmlns:p14="http://schemas.microsoft.com/office/powerpoint/2010/main" val="2097056031"/>
       </p:ext>
     </p:extLst>
   </p:cSld>
@@ -1115,8 +1120,8 @@
         </p:nvSpPr>
         <p:spPr>
           <a:xfrm>
-            <a:off x="494953" y="1825625"/>
-            <a:ext cx="3059708" cy="4351338"/>
+            <a:off x="494953" y="2108344"/>
+            <a:ext cx="3059708" cy="5025191"/>
           </a:xfrm>
         </p:spPr>
         <p:txBody>
@@ -1172,8 +1177,8 @@
         </p:nvSpPr>
         <p:spPr>
           <a:xfrm>
-            <a:off x="3644652" y="1825625"/>
-            <a:ext cx="3059708" cy="4351338"/>
+            <a:off x="3644652" y="2108344"/>
+            <a:ext cx="3059708" cy="5025191"/>
           </a:xfrm>
         </p:spPr>
         <p:txBody>
@@ -1234,7 +1239,7 @@
           <a:p>
             <a:fld id="{CF0750D3-DDE0-42CE-98AF-A59F3AFCB4B1}" type="datetimeFigureOut">
               <a:rPr lang="en-CA" smtClean="0"/>
-              <a:t>2021-11-18</a:t>
+              <a:t>2022-01-06</a:t>
             </a:fld>
             <a:endParaRPr lang="en-CA"/>
           </a:p>
@@ -1285,7 +1290,7 @@
     </p:spTree>
     <p:extLst>
       <p:ext uri="{BB962C8B-B14F-4D97-AF65-F5344CB8AC3E}">
-        <p14:creationId xmlns:p14="http://schemas.microsoft.com/office/powerpoint/2010/main" val="545078638"/>
+        <p14:creationId xmlns:p14="http://schemas.microsoft.com/office/powerpoint/2010/main" val="2603587600"/>
       </p:ext>
     </p:extLst>
   </p:cSld>
@@ -1324,8 +1329,8 @@
         </p:nvSpPr>
         <p:spPr>
           <a:xfrm>
-            <a:off x="495891" y="365127"/>
-            <a:ext cx="6209407" cy="1325563"/>
+            <a:off x="495891" y="421671"/>
+            <a:ext cx="6209407" cy="1530841"/>
           </a:xfrm>
         </p:spPr>
         <p:txBody>
@@ -1352,8 +1357,8 @@
         </p:nvSpPr>
         <p:spPr>
           <a:xfrm>
-            <a:off x="495891" y="1681163"/>
-            <a:ext cx="3045646" cy="823912"/>
+            <a:off x="495891" y="1941510"/>
+            <a:ext cx="3045646" cy="951504"/>
           </a:xfrm>
         </p:spPr>
         <p:txBody>
@@ -1417,8 +1422,8 @@
         </p:nvSpPr>
         <p:spPr>
           <a:xfrm>
-            <a:off x="495891" y="2505075"/>
-            <a:ext cx="3045646" cy="3684588"/>
+            <a:off x="495891" y="2893014"/>
+            <a:ext cx="3045646" cy="4255188"/>
           </a:xfrm>
         </p:spPr>
         <p:txBody>
@@ -1474,8 +1479,8 @@
         </p:nvSpPr>
         <p:spPr>
           <a:xfrm>
-            <a:off x="3644652" y="1681163"/>
-            <a:ext cx="3060646" cy="823912"/>
+            <a:off x="3644652" y="1941510"/>
+            <a:ext cx="3060646" cy="951504"/>
           </a:xfrm>
         </p:spPr>
         <p:txBody>
@@ -1539,8 +1544,8 @@
         </p:nvSpPr>
         <p:spPr>
           <a:xfrm>
-            <a:off x="3644652" y="2505075"/>
-            <a:ext cx="3060646" cy="3684588"/>
+            <a:off x="3644652" y="2893014"/>
+            <a:ext cx="3060646" cy="4255188"/>
           </a:xfrm>
         </p:spPr>
         <p:txBody>
@@ -1601,7 +1606,7 @@
           <a:p>
             <a:fld id="{CF0750D3-DDE0-42CE-98AF-A59F3AFCB4B1}" type="datetimeFigureOut">
               <a:rPr lang="en-CA" smtClean="0"/>
-              <a:t>2021-11-18</a:t>
+              <a:t>2022-01-06</a:t>
             </a:fld>
             <a:endParaRPr lang="en-CA"/>
           </a:p>
@@ -1652,7 +1657,7 @@
     </p:spTree>
     <p:extLst>
       <p:ext uri="{BB962C8B-B14F-4D97-AF65-F5344CB8AC3E}">
-        <p14:creationId xmlns:p14="http://schemas.microsoft.com/office/powerpoint/2010/main" val="369942937"/>
+        <p14:creationId xmlns:p14="http://schemas.microsoft.com/office/powerpoint/2010/main" val="2913093862"/>
       </p:ext>
     </p:extLst>
   </p:cSld>
@@ -1719,7 +1724,7 @@
           <a:p>
             <a:fld id="{CF0750D3-DDE0-42CE-98AF-A59F3AFCB4B1}" type="datetimeFigureOut">
               <a:rPr lang="en-CA" smtClean="0"/>
-              <a:t>2021-11-18</a:t>
+              <a:t>2022-01-06</a:t>
             </a:fld>
             <a:endParaRPr lang="en-CA"/>
           </a:p>
@@ -1770,7 +1775,7 @@
     </p:spTree>
     <p:extLst>
       <p:ext uri="{BB962C8B-B14F-4D97-AF65-F5344CB8AC3E}">
-        <p14:creationId xmlns:p14="http://schemas.microsoft.com/office/powerpoint/2010/main" val="2245133769"/>
+        <p14:creationId xmlns:p14="http://schemas.microsoft.com/office/powerpoint/2010/main" val="1470640751"/>
       </p:ext>
     </p:extLst>
   </p:cSld>
@@ -1814,7 +1819,7 @@
           <a:p>
             <a:fld id="{CF0750D3-DDE0-42CE-98AF-A59F3AFCB4B1}" type="datetimeFigureOut">
               <a:rPr lang="en-CA" smtClean="0"/>
-              <a:t>2021-11-18</a:t>
+              <a:t>2022-01-06</a:t>
             </a:fld>
             <a:endParaRPr lang="en-CA"/>
           </a:p>
@@ -1865,7 +1870,7 @@
     </p:spTree>
     <p:extLst>
       <p:ext uri="{BB962C8B-B14F-4D97-AF65-F5344CB8AC3E}">
-        <p14:creationId xmlns:p14="http://schemas.microsoft.com/office/powerpoint/2010/main" val="3711340359"/>
+        <p14:creationId xmlns:p14="http://schemas.microsoft.com/office/powerpoint/2010/main" val="520903907"/>
       </p:ext>
     </p:extLst>
   </p:cSld>
@@ -1904,8 +1909,8 @@
         </p:nvSpPr>
         <p:spPr>
           <a:xfrm>
-            <a:off x="495890" y="457200"/>
-            <a:ext cx="2321966" cy="1600200"/>
+            <a:off x="495890" y="528002"/>
+            <a:ext cx="2321966" cy="1848009"/>
           </a:xfrm>
         </p:spPr>
         <p:txBody>
@@ -1936,8 +1941,8 @@
         </p:nvSpPr>
         <p:spPr>
           <a:xfrm>
-            <a:off x="3060646" y="987427"/>
-            <a:ext cx="3644652" cy="4873625"/>
+            <a:off x="3060646" y="1140341"/>
+            <a:ext cx="3644652" cy="5628360"/>
           </a:xfrm>
         </p:spPr>
         <p:txBody>
@@ -2021,8 +2026,8 @@
         </p:nvSpPr>
         <p:spPr>
           <a:xfrm>
-            <a:off x="495890" y="2057400"/>
-            <a:ext cx="2321966" cy="3811588"/>
+            <a:off x="495890" y="2376011"/>
+            <a:ext cx="2321966" cy="4401855"/>
           </a:xfrm>
         </p:spPr>
         <p:txBody>
@@ -2091,7 +2096,7 @@
           <a:p>
             <a:fld id="{CF0750D3-DDE0-42CE-98AF-A59F3AFCB4B1}" type="datetimeFigureOut">
               <a:rPr lang="en-CA" smtClean="0"/>
-              <a:t>2021-11-18</a:t>
+              <a:t>2022-01-06</a:t>
             </a:fld>
             <a:endParaRPr lang="en-CA"/>
           </a:p>
@@ -2142,7 +2147,7 @@
     </p:spTree>
     <p:extLst>
       <p:ext uri="{BB962C8B-B14F-4D97-AF65-F5344CB8AC3E}">
-        <p14:creationId xmlns:p14="http://schemas.microsoft.com/office/powerpoint/2010/main" val="2352319484"/>
+        <p14:creationId xmlns:p14="http://schemas.microsoft.com/office/powerpoint/2010/main" val="3625724845"/>
       </p:ext>
     </p:extLst>
   </p:cSld>
@@ -2181,8 +2186,8 @@
         </p:nvSpPr>
         <p:spPr>
           <a:xfrm>
-            <a:off x="495890" y="457200"/>
-            <a:ext cx="2321966" cy="1600200"/>
+            <a:off x="495890" y="528002"/>
+            <a:ext cx="2321966" cy="1848009"/>
           </a:xfrm>
         </p:spPr>
         <p:txBody>
@@ -2213,8 +2218,8 @@
         </p:nvSpPr>
         <p:spPr>
           <a:xfrm>
-            <a:off x="3060646" y="987427"/>
-            <a:ext cx="3644652" cy="4873625"/>
+            <a:off x="3060646" y="1140341"/>
+            <a:ext cx="3644652" cy="5628360"/>
           </a:xfrm>
         </p:spPr>
         <p:txBody>
@@ -2278,8 +2283,8 @@
         </p:nvSpPr>
         <p:spPr>
           <a:xfrm>
-            <a:off x="495890" y="2057400"/>
-            <a:ext cx="2321966" cy="3811588"/>
+            <a:off x="495890" y="2376011"/>
+            <a:ext cx="2321966" cy="4401855"/>
           </a:xfrm>
         </p:spPr>
         <p:txBody>
@@ -2348,7 +2353,7 @@
           <a:p>
             <a:fld id="{CF0750D3-DDE0-42CE-98AF-A59F3AFCB4B1}" type="datetimeFigureOut">
               <a:rPr lang="en-CA" smtClean="0"/>
-              <a:t>2021-11-18</a:t>
+              <a:t>2022-01-06</a:t>
             </a:fld>
             <a:endParaRPr lang="en-CA"/>
           </a:p>
@@ -2399,7 +2404,7 @@
     </p:spTree>
     <p:extLst>
       <p:ext uri="{BB962C8B-B14F-4D97-AF65-F5344CB8AC3E}">
-        <p14:creationId xmlns:p14="http://schemas.microsoft.com/office/powerpoint/2010/main" val="3202948958"/>
+        <p14:creationId xmlns:p14="http://schemas.microsoft.com/office/powerpoint/2010/main" val="575465374"/>
       </p:ext>
     </p:extLst>
   </p:cSld>
@@ -2443,8 +2448,8 @@
         </p:nvSpPr>
         <p:spPr>
           <a:xfrm>
-            <a:off x="494953" y="365127"/>
-            <a:ext cx="6209407" cy="1325563"/>
+            <a:off x="494953" y="421671"/>
+            <a:ext cx="6209407" cy="1530841"/>
           </a:xfrm>
           <a:prstGeom prst="rect">
             <a:avLst/>
@@ -2476,8 +2481,8 @@
         </p:nvSpPr>
         <p:spPr>
           <a:xfrm>
-            <a:off x="494953" y="1825625"/>
-            <a:ext cx="6209407" cy="4351338"/>
+            <a:off x="494953" y="2108344"/>
+            <a:ext cx="6209407" cy="5025191"/>
           </a:xfrm>
           <a:prstGeom prst="rect">
             <a:avLst/>
@@ -2538,8 +2543,8 @@
         </p:nvSpPr>
         <p:spPr>
           <a:xfrm>
-            <a:off x="494953" y="6356352"/>
-            <a:ext cx="1619845" cy="365125"/>
+            <a:off x="494953" y="7340703"/>
+            <a:ext cx="1619845" cy="421669"/>
           </a:xfrm>
           <a:prstGeom prst="rect">
             <a:avLst/>
@@ -2561,7 +2566,7 @@
           <a:p>
             <a:fld id="{CF0750D3-DDE0-42CE-98AF-A59F3AFCB4B1}" type="datetimeFigureOut">
               <a:rPr lang="en-CA" smtClean="0"/>
-              <a:t>2021-11-18</a:t>
+              <a:t>2022-01-06</a:t>
             </a:fld>
             <a:endParaRPr lang="en-CA"/>
           </a:p>
@@ -2579,8 +2584,8 @@
         </p:nvSpPr>
         <p:spPr>
           <a:xfrm>
-            <a:off x="2384773" y="6356352"/>
-            <a:ext cx="2429768" cy="365125"/>
+            <a:off x="2384773" y="7340703"/>
+            <a:ext cx="2429768" cy="421669"/>
           </a:xfrm>
           <a:prstGeom prst="rect">
             <a:avLst/>
@@ -2616,8 +2621,8 @@
         </p:nvSpPr>
         <p:spPr>
           <a:xfrm>
-            <a:off x="5084515" y="6356352"/>
-            <a:ext cx="1619845" cy="365125"/>
+            <a:off x="5084515" y="7340703"/>
+            <a:ext cx="1619845" cy="421669"/>
           </a:xfrm>
           <a:prstGeom prst="rect">
             <a:avLst/>
@@ -2648,23 +2653,23 @@
     </p:spTree>
     <p:extLst>
       <p:ext uri="{BB962C8B-B14F-4D97-AF65-F5344CB8AC3E}">
-        <p14:creationId xmlns:p14="http://schemas.microsoft.com/office/powerpoint/2010/main" val="2810182436"/>
+        <p14:creationId xmlns:p14="http://schemas.microsoft.com/office/powerpoint/2010/main" val="1363184177"/>
       </p:ext>
     </p:extLst>
   </p:cSld>
   <p:clrMap bg1="lt1" tx1="dk1" bg2="lt2" tx2="dk2" accent1="accent1" accent2="accent2" accent3="accent3" accent4="accent4" accent5="accent5" accent6="accent6" hlink="hlink" folHlink="folHlink"/>
   <p:sldLayoutIdLst>
-    <p:sldLayoutId id="2147483661" r:id="rId1"/>
-    <p:sldLayoutId id="2147483662" r:id="rId2"/>
-    <p:sldLayoutId id="2147483663" r:id="rId3"/>
-    <p:sldLayoutId id="2147483664" r:id="rId4"/>
-    <p:sldLayoutId id="2147483665" r:id="rId5"/>
-    <p:sldLayoutId id="2147483666" r:id="rId6"/>
-    <p:sldLayoutId id="2147483667" r:id="rId7"/>
-    <p:sldLayoutId id="2147483668" r:id="rId8"/>
-    <p:sldLayoutId id="2147483669" r:id="rId9"/>
-    <p:sldLayoutId id="2147483670" r:id="rId10"/>
-    <p:sldLayoutId id="2147483671" r:id="rId11"/>
+    <p:sldLayoutId id="2147483673" r:id="rId1"/>
+    <p:sldLayoutId id="2147483674" r:id="rId2"/>
+    <p:sldLayoutId id="2147483675" r:id="rId3"/>
+    <p:sldLayoutId id="2147483676" r:id="rId4"/>
+    <p:sldLayoutId id="2147483677" r:id="rId5"/>
+    <p:sldLayoutId id="2147483678" r:id="rId6"/>
+    <p:sldLayoutId id="2147483679" r:id="rId7"/>
+    <p:sldLayoutId id="2147483680" r:id="rId8"/>
+    <p:sldLayoutId id="2147483681" r:id="rId9"/>
+    <p:sldLayoutId id="2147483682" r:id="rId10"/>
+    <p:sldLayoutId id="2147483683" r:id="rId11"/>
   </p:sldLayoutIdLst>
   <p:txStyles>
     <p:titleStyle>
@@ -2980,8 +2985,8 @@
         </p:nvSpPr>
         <p:spPr>
           <a:xfrm>
-            <a:off x="841661" y="967666"/>
-            <a:ext cx="1757778" cy="1478097"/>
+            <a:off x="289815" y="1117521"/>
+            <a:ext cx="2154730" cy="1693028"/>
           </a:xfrm>
           <a:prstGeom prst="rect">
             <a:avLst/>
@@ -3001,46 +3006,46 @@
           <a:p>
             <a:pPr algn="ctr"/>
             <a:r>
-              <a:rPr lang="en-US" dirty="0"/>
+              <a:rPr lang="en-US" sz="2079" dirty="0"/>
               <a:t>Effect size 1</a:t>
             </a:r>
           </a:p>
           <a:p>
-            <a:pPr marL="285753" indent="-285753">
+            <a:pPr marL="330016" indent="-330016">
               <a:buFont typeface="Arial" panose="020B0604020202020204" pitchFamily="34" charset="0"/>
               <a:buChar char="•"/>
             </a:pPr>
             <a:r>
-              <a:rPr lang="en-US" sz="1201" dirty="0"/>
+              <a:rPr lang="en-US" sz="1387" dirty="0"/>
               <a:t>Apply 1</a:t>
             </a:r>
             <a:r>
-              <a:rPr lang="en-US" sz="1201" baseline="30000" dirty="0"/>
+              <a:rPr lang="en-US" sz="1387" baseline="30000" dirty="0"/>
               <a:t>st</a:t>
             </a:r>
             <a:r>
-              <a:rPr lang="en-US" sz="1201" dirty="0"/>
+              <a:rPr lang="en-US" sz="1387" dirty="0"/>
               <a:t> effect size to 2</a:t>
             </a:r>
             <a:r>
-              <a:rPr lang="en-US" sz="1201" baseline="30000" dirty="0"/>
+              <a:rPr lang="en-US" sz="1387" baseline="30000" dirty="0"/>
               <a:t>nd</a:t>
             </a:r>
             <a:r>
-              <a:rPr lang="en-US" sz="1201" dirty="0"/>
+              <a:rPr lang="en-US" sz="1387" dirty="0"/>
               <a:t> condition</a:t>
             </a:r>
           </a:p>
           <a:p>
-            <a:pPr marL="285753" indent="-285753">
+            <a:pPr marL="330016" indent="-330016">
               <a:buFont typeface="Arial" panose="020B0604020202020204" pitchFamily="34" charset="0"/>
               <a:buChar char="•"/>
             </a:pPr>
             <a:r>
-              <a:rPr lang="en-US" sz="1201" dirty="0"/>
+              <a:rPr lang="en-US" sz="1387" dirty="0"/>
               <a:t>Compute new proportions of correct IDs at each confidence level</a:t>
             </a:r>
-            <a:endParaRPr lang="en-CA" sz="1201" dirty="0"/>
+            <a:endParaRPr lang="en-CA" sz="1387" dirty="0"/>
           </a:p>
         </p:txBody>
       </p:sp>
@@ -3058,8 +3063,8 @@
         </p:nvSpPr>
         <p:spPr>
           <a:xfrm>
-            <a:off x="3142457" y="1052573"/>
-            <a:ext cx="6059120" cy="369332"/>
+            <a:off x="3071655" y="1215576"/>
+            <a:ext cx="6997442" cy="412292"/>
           </a:xfrm>
           <a:prstGeom prst="rect">
             <a:avLst/>
@@ -3073,10 +3078,10 @@
           <a:lstStyle/>
           <a:p>
             <a:r>
-              <a:rPr lang="en-US" dirty="0"/>
+              <a:rPr lang="en-US" sz="2079" dirty="0"/>
               <a:t>. . . . . . .</a:t>
             </a:r>
-            <a:endParaRPr lang="en-CA" dirty="0"/>
+            <a:endParaRPr lang="en-CA" sz="2079" dirty="0"/>
           </a:p>
         </p:txBody>
       </p:sp>
@@ -3094,8 +3099,8 @@
         </p:nvSpPr>
         <p:spPr>
           <a:xfrm>
-            <a:off x="841661" y="2994734"/>
-            <a:ext cx="1757778" cy="369332"/>
+            <a:off x="289815" y="3458502"/>
+            <a:ext cx="2154730" cy="412292"/>
           </a:xfrm>
           <a:prstGeom prst="rect">
             <a:avLst/>
@@ -3115,10 +3120,10 @@
           <a:p>
             <a:pPr algn="ctr"/>
             <a:r>
-              <a:rPr lang="en-US" dirty="0"/>
+              <a:rPr lang="en-US" sz="2079" dirty="0"/>
               <a:t>Sample size 1</a:t>
             </a:r>
-            <a:endParaRPr lang="en-CA" dirty="0"/>
+            <a:endParaRPr lang="en-CA" sz="2079" dirty="0"/>
           </a:p>
         </p:txBody>
       </p:sp>
@@ -3140,8 +3145,8 @@
         </p:nvCxnSpPr>
         <p:spPr>
           <a:xfrm rot="16200000" flipH="1">
-            <a:off x="3302976" y="863336"/>
-            <a:ext cx="548972" cy="3713825"/>
+            <a:off x="3218865" y="958864"/>
+            <a:ext cx="647953" cy="4351322"/>
           </a:xfrm>
           <a:prstGeom prst="curvedConnector3">
             <a:avLst>
@@ -3181,8 +3186,8 @@
         </p:nvSpPr>
         <p:spPr>
           <a:xfrm>
-            <a:off x="4555486" y="4108427"/>
-            <a:ext cx="1757778" cy="369332"/>
+            <a:off x="4703507" y="4479606"/>
+            <a:ext cx="2029989" cy="412292"/>
           </a:xfrm>
           <a:prstGeom prst="rect">
             <a:avLst/>
@@ -3202,14 +3207,14 @@
           <a:p>
             <a:pPr algn="ctr"/>
             <a:r>
-              <a:rPr lang="en-US" dirty="0"/>
+              <a:rPr lang="en-US" sz="2079" dirty="0"/>
               <a:t>Simulation </a:t>
             </a:r>
             <a:r>
-              <a:rPr lang="en-US" i="1" dirty="0"/>
+              <a:rPr lang="en-US" sz="2079" i="1" dirty="0"/>
               <a:t>k</a:t>
             </a:r>
-            <a:endParaRPr lang="en-CA" dirty="0"/>
+            <a:endParaRPr lang="en-CA" sz="2079" dirty="0"/>
           </a:p>
         </p:txBody>
       </p:sp>
@@ -3225,13 +3230,14 @@
           <p:cNvCxnSpPr>
             <a:cxnSpLocks/>
             <a:stCxn id="5" idx="2"/>
+            <a:endCxn id="8" idx="0"/>
           </p:cNvCxnSpPr>
           <p:nvPr/>
         </p:nvCxnSpPr>
         <p:spPr>
           <a:xfrm>
-            <a:off x="1720550" y="2445763"/>
-            <a:ext cx="0" cy="548973"/>
+            <a:off x="1367180" y="2810549"/>
+            <a:ext cx="0" cy="647953"/>
           </a:xfrm>
           <a:prstGeom prst="straightConnector1">
             <a:avLst/>
@@ -3266,14 +3272,15 @@
           </p:cNvPr>
           <p:cNvCxnSpPr>
             <a:cxnSpLocks/>
+            <a:stCxn id="8" idx="2"/>
             <a:endCxn id="27" idx="0"/>
           </p:cNvCxnSpPr>
           <p:nvPr/>
         </p:nvCxnSpPr>
         <p:spPr>
           <a:xfrm>
-            <a:off x="1720549" y="3364067"/>
-            <a:ext cx="1" cy="744360"/>
+            <a:off x="1367180" y="3870794"/>
+            <a:ext cx="0" cy="648221"/>
           </a:xfrm>
           <a:prstGeom prst="straightConnector1">
             <a:avLst/>
@@ -3311,8 +3318,8 @@
         </p:nvSpPr>
         <p:spPr>
           <a:xfrm>
-            <a:off x="841661" y="4108427"/>
-            <a:ext cx="1757778" cy="2402068"/>
+            <a:off x="289815" y="4519015"/>
+            <a:ext cx="2154730" cy="3187219"/>
           </a:xfrm>
           <a:prstGeom prst="rect">
             <a:avLst/>
@@ -3332,52 +3339,55 @@
           <a:p>
             <a:pPr algn="ctr"/>
             <a:r>
-              <a:rPr lang="en-US" dirty="0"/>
+              <a:rPr lang="en-US" sz="2079" dirty="0"/>
               <a:t>Simulation 1</a:t>
             </a:r>
-            <a:endParaRPr lang="en-CA" dirty="0"/>
-          </a:p>
-          <a:p>
-            <a:pPr marL="285753" indent="-285753">
+            <a:endParaRPr lang="en-CA" sz="2079" dirty="0"/>
+          </a:p>
+          <a:p>
+            <a:pPr marL="330016" indent="-330016">
               <a:buFont typeface="Arial" panose="020B0604020202020204" pitchFamily="34" charset="0"/>
               <a:buChar char="•"/>
             </a:pPr>
             <a:r>
-              <a:rPr lang="en-CA" sz="1201" dirty="0"/>
-              <a:t>Randomly sample lineup outcomes using computed proportions, current sample size, and </a:t>
-            </a:r>
-          </a:p>
-          <a:p>
-            <a:r>
-              <a:rPr lang="en-CA" sz="1201" dirty="0"/>
+              <a:rPr lang="en-CA" sz="1387" dirty="0"/>
+              <a:t>Randomly sample correct/false IDs at different confidence levels using computed proportions, current sample size, and </a:t>
+            </a:r>
+          </a:p>
+          <a:p>
+            <a:r>
+              <a:rPr lang="en-CA" sz="1387" dirty="0"/>
               <a:t>        sim parameters</a:t>
             </a:r>
           </a:p>
           <a:p>
-            <a:pPr marL="285753" indent="-285753">
+            <a:pPr marL="330016" indent="-330016">
               <a:buFont typeface="Arial" panose="020B0604020202020204" pitchFamily="34" charset="0"/>
               <a:buChar char="•"/>
             </a:pPr>
             <a:r>
-              <a:rPr lang="en-CA" sz="1201" dirty="0"/>
+              <a:rPr lang="en-CA" sz="1387" dirty="0"/>
               <a:t>Compute and compare ROC curves via </a:t>
             </a:r>
             <a:r>
-              <a:rPr lang="en-CA" sz="1201" dirty="0" err="1"/>
+              <a:rPr lang="en-CA" sz="1387" dirty="0" err="1"/>
               <a:t>pROC</a:t>
             </a:r>
-            <a:endParaRPr lang="en-CA" sz="1201" dirty="0"/>
-          </a:p>
-          <a:p>
-            <a:pPr marL="285753" indent="-285753">
+            <a:r>
+              <a:rPr lang="en-CA" sz="1387" dirty="0"/>
+              <a:t> (and bootstrapped DPP, if applicable)</a:t>
+            </a:r>
+          </a:p>
+          <a:p>
+            <a:pPr marL="330016" indent="-330016">
               <a:buFont typeface="Arial" panose="020B0604020202020204" pitchFamily="34" charset="0"/>
               <a:buChar char="•"/>
             </a:pPr>
             <a:r>
-              <a:rPr lang="en-CA" sz="1201" dirty="0"/>
+              <a:rPr lang="en-CA" sz="1387" dirty="0"/>
               <a:t>Record test significance</a:t>
             </a:r>
-            <a:endParaRPr lang="en-US" sz="1201" dirty="0"/>
+            <a:endParaRPr lang="en-US" sz="1387" dirty="0"/>
           </a:p>
         </p:txBody>
       </p:sp>
@@ -3395,8 +3405,8 @@
         </p:nvSpPr>
         <p:spPr>
           <a:xfrm>
-            <a:off x="3167609" y="3044814"/>
-            <a:ext cx="5708342" cy="369332"/>
+            <a:off x="3100702" y="3516338"/>
+            <a:ext cx="6592342" cy="412292"/>
           </a:xfrm>
           <a:prstGeom prst="rect">
             <a:avLst/>
@@ -3410,10 +3420,10 @@
           <a:lstStyle/>
           <a:p>
             <a:r>
-              <a:rPr lang="en-US" dirty="0"/>
+              <a:rPr lang="en-US" sz="2079" dirty="0"/>
               <a:t>. . . . . . .</a:t>
             </a:r>
-            <a:endParaRPr lang="en-CA" dirty="0"/>
+            <a:endParaRPr lang="en-CA" sz="2079" dirty="0"/>
           </a:p>
         </p:txBody>
       </p:sp>
@@ -3431,8 +3441,8 @@
         </p:nvSpPr>
         <p:spPr>
           <a:xfrm>
-            <a:off x="4555486" y="2994734"/>
-            <a:ext cx="1757778" cy="369332"/>
+            <a:off x="4703507" y="3458502"/>
+            <a:ext cx="2029989" cy="412292"/>
           </a:xfrm>
           <a:prstGeom prst="rect">
             <a:avLst/>
@@ -3452,14 +3462,14 @@
           <a:p>
             <a:pPr algn="ctr"/>
             <a:r>
-              <a:rPr lang="en-US" dirty="0"/>
+              <a:rPr lang="en-US" sz="2079" dirty="0"/>
               <a:t>Sample size </a:t>
             </a:r>
             <a:r>
-              <a:rPr lang="en-US" i="1" dirty="0"/>
+              <a:rPr lang="en-US" sz="2079" i="1" dirty="0"/>
               <a:t>j</a:t>
             </a:r>
-            <a:endParaRPr lang="en-CA" dirty="0"/>
+            <a:endParaRPr lang="en-CA" sz="2079" dirty="0"/>
           </a:p>
         </p:txBody>
       </p:sp>
@@ -3477,8 +3487,8 @@
         </p:nvSpPr>
         <p:spPr>
           <a:xfrm>
-            <a:off x="4555483" y="967666"/>
-            <a:ext cx="1757780" cy="369332"/>
+            <a:off x="4703502" y="1117520"/>
+            <a:ext cx="2029993" cy="412292"/>
           </a:xfrm>
           <a:prstGeom prst="rect">
             <a:avLst/>
@@ -3498,14 +3508,14 @@
           <a:p>
             <a:pPr algn="ctr"/>
             <a:r>
-              <a:rPr lang="en-US" dirty="0"/>
+              <a:rPr lang="en-US" sz="2079" dirty="0"/>
               <a:t>Effect size </a:t>
             </a:r>
             <a:r>
-              <a:rPr lang="en-US" i="1" dirty="0" err="1"/>
+              <a:rPr lang="en-US" sz="2079" i="1" dirty="0" err="1"/>
               <a:t>i</a:t>
             </a:r>
-            <a:endParaRPr lang="en-US" dirty="0"/>
+            <a:endParaRPr lang="en-US" sz="2079" dirty="0"/>
           </a:p>
         </p:txBody>
       </p:sp>
@@ -3527,8 +3537,8 @@
         </p:nvCxnSpPr>
         <p:spPr>
           <a:xfrm rot="16200000" flipH="1">
-            <a:off x="3205283" y="1879334"/>
-            <a:ext cx="744361" cy="3713825"/>
+            <a:off x="3238435" y="1999539"/>
+            <a:ext cx="608812" cy="4351322"/>
           </a:xfrm>
           <a:prstGeom prst="curvedConnector3">
             <a:avLst>
@@ -3568,8 +3578,8 @@
         </p:nvSpPr>
         <p:spPr>
           <a:xfrm>
-            <a:off x="3167609" y="4108425"/>
-            <a:ext cx="5708342" cy="369332"/>
+            <a:off x="3100702" y="4479602"/>
+            <a:ext cx="6592342" cy="412292"/>
           </a:xfrm>
           <a:prstGeom prst="rect">
             <a:avLst/>
@@ -3583,10 +3593,10 @@
           <a:lstStyle/>
           <a:p>
             <a:r>
-              <a:rPr lang="en-US" dirty="0"/>
+              <a:rPr lang="en-US" sz="2079" dirty="0"/>
               <a:t>. . . . . . .</a:t>
             </a:r>
-            <a:endParaRPr lang="en-CA" dirty="0"/>
+            <a:endParaRPr lang="en-CA" sz="2079" dirty="0"/>
           </a:p>
         </p:txBody>
       </p:sp>
@@ -3604,8 +3614,8 @@
         </p:nvSpPr>
         <p:spPr>
           <a:xfrm>
-            <a:off x="406654" y="344748"/>
-            <a:ext cx="11159231" cy="369332"/>
+            <a:off x="289814" y="398136"/>
+            <a:ext cx="12887362" cy="412292"/>
           </a:xfrm>
           <a:prstGeom prst="rect">
             <a:avLst/>
@@ -3619,38 +3629,38 @@
           <a:lstStyle/>
           <a:p>
             <a:r>
-              <a:rPr lang="en-US" b="1" dirty="0"/>
+              <a:rPr lang="en-US" sz="2079" b="1" dirty="0"/>
               <a:t>For </a:t>
             </a:r>
             <a:r>
-              <a:rPr lang="en-US" b="1" i="1" dirty="0" err="1"/>
+              <a:rPr lang="en-US" sz="2079" b="1" i="1" dirty="0" err="1"/>
               <a:t>i</a:t>
             </a:r>
             <a:r>
-              <a:rPr lang="en-US" b="1" i="1" dirty="0"/>
+              <a:rPr lang="en-US" sz="2079" b="1" i="1" dirty="0"/>
               <a:t> </a:t>
             </a:r>
             <a:r>
-              <a:rPr lang="en-US" b="1" dirty="0"/>
+              <a:rPr lang="en-US" sz="2079" b="1" dirty="0"/>
               <a:t>effect sizes, </a:t>
             </a:r>
             <a:r>
-              <a:rPr lang="en-US" b="1" i="1" dirty="0"/>
+              <a:rPr lang="en-US" sz="2079" b="1" i="1" dirty="0"/>
               <a:t>j </a:t>
             </a:r>
             <a:r>
-              <a:rPr lang="en-US" b="1" dirty="0"/>
+              <a:rPr lang="en-US" sz="2079" b="1" dirty="0"/>
               <a:t>sample sizes, and </a:t>
             </a:r>
             <a:r>
-              <a:rPr lang="en-US" b="1" i="1" dirty="0"/>
+              <a:rPr lang="en-US" sz="2079" b="1" i="1" dirty="0"/>
               <a:t>k </a:t>
             </a:r>
             <a:r>
-              <a:rPr lang="en-US" b="1" dirty="0"/>
+              <a:rPr lang="en-US" sz="2079" b="1" dirty="0"/>
               <a:t>simulations:</a:t>
             </a:r>
-            <a:endParaRPr lang="en-CA" b="1" dirty="0"/>
+            <a:endParaRPr lang="en-CA" sz="2079" b="1" dirty="0"/>
           </a:p>
         </p:txBody>
       </p:sp>

--- a/ROC_power_app/SimulationDescription.pptx
+++ b/ROC_power_app/SimulationDescription.pptx
@@ -243,7 +243,7 @@
           <a:p>
             <a:fld id="{CF0750D3-DDE0-42CE-98AF-A59F3AFCB4B1}" type="datetimeFigureOut">
               <a:rPr lang="en-CA" smtClean="0"/>
-              <a:t>2022-01-06</a:t>
+              <a:t>2022-01-07</a:t>
             </a:fld>
             <a:endParaRPr lang="en-CA"/>
           </a:p>
@@ -413,7 +413,7 @@
           <a:p>
             <a:fld id="{CF0750D3-DDE0-42CE-98AF-A59F3AFCB4B1}" type="datetimeFigureOut">
               <a:rPr lang="en-CA" smtClean="0"/>
-              <a:t>2022-01-06</a:t>
+              <a:t>2022-01-07</a:t>
             </a:fld>
             <a:endParaRPr lang="en-CA"/>
           </a:p>
@@ -593,7 +593,7 @@
           <a:p>
             <a:fld id="{CF0750D3-DDE0-42CE-98AF-A59F3AFCB4B1}" type="datetimeFigureOut">
               <a:rPr lang="en-CA" smtClean="0"/>
-              <a:t>2022-01-06</a:t>
+              <a:t>2022-01-07</a:t>
             </a:fld>
             <a:endParaRPr lang="en-CA"/>
           </a:p>
@@ -763,7 +763,7 @@
           <a:p>
             <a:fld id="{CF0750D3-DDE0-42CE-98AF-A59F3AFCB4B1}" type="datetimeFigureOut">
               <a:rPr lang="en-CA" smtClean="0"/>
-              <a:t>2022-01-06</a:t>
+              <a:t>2022-01-07</a:t>
             </a:fld>
             <a:endParaRPr lang="en-CA"/>
           </a:p>
@@ -1007,7 +1007,7 @@
           <a:p>
             <a:fld id="{CF0750D3-DDE0-42CE-98AF-A59F3AFCB4B1}" type="datetimeFigureOut">
               <a:rPr lang="en-CA" smtClean="0"/>
-              <a:t>2022-01-06</a:t>
+              <a:t>2022-01-07</a:t>
             </a:fld>
             <a:endParaRPr lang="en-CA"/>
           </a:p>
@@ -1239,7 +1239,7 @@
           <a:p>
             <a:fld id="{CF0750D3-DDE0-42CE-98AF-A59F3AFCB4B1}" type="datetimeFigureOut">
               <a:rPr lang="en-CA" smtClean="0"/>
-              <a:t>2022-01-06</a:t>
+              <a:t>2022-01-07</a:t>
             </a:fld>
             <a:endParaRPr lang="en-CA"/>
           </a:p>
@@ -1606,7 +1606,7 @@
           <a:p>
             <a:fld id="{CF0750D3-DDE0-42CE-98AF-A59F3AFCB4B1}" type="datetimeFigureOut">
               <a:rPr lang="en-CA" smtClean="0"/>
-              <a:t>2022-01-06</a:t>
+              <a:t>2022-01-07</a:t>
             </a:fld>
             <a:endParaRPr lang="en-CA"/>
           </a:p>
@@ -1724,7 +1724,7 @@
           <a:p>
             <a:fld id="{CF0750D3-DDE0-42CE-98AF-A59F3AFCB4B1}" type="datetimeFigureOut">
               <a:rPr lang="en-CA" smtClean="0"/>
-              <a:t>2022-01-06</a:t>
+              <a:t>2022-01-07</a:t>
             </a:fld>
             <a:endParaRPr lang="en-CA"/>
           </a:p>
@@ -1819,7 +1819,7 @@
           <a:p>
             <a:fld id="{CF0750D3-DDE0-42CE-98AF-A59F3AFCB4B1}" type="datetimeFigureOut">
               <a:rPr lang="en-CA" smtClean="0"/>
-              <a:t>2022-01-06</a:t>
+              <a:t>2022-01-07</a:t>
             </a:fld>
             <a:endParaRPr lang="en-CA"/>
           </a:p>
@@ -2096,7 +2096,7 @@
           <a:p>
             <a:fld id="{CF0750D3-DDE0-42CE-98AF-A59F3AFCB4B1}" type="datetimeFigureOut">
               <a:rPr lang="en-CA" smtClean="0"/>
-              <a:t>2022-01-06</a:t>
+              <a:t>2022-01-07</a:t>
             </a:fld>
             <a:endParaRPr lang="en-CA"/>
           </a:p>
@@ -2353,7 +2353,7 @@
           <a:p>
             <a:fld id="{CF0750D3-DDE0-42CE-98AF-A59F3AFCB4B1}" type="datetimeFigureOut">
               <a:rPr lang="en-CA" smtClean="0"/>
-              <a:t>2022-01-06</a:t>
+              <a:t>2022-01-07</a:t>
             </a:fld>
             <a:endParaRPr lang="en-CA"/>
           </a:p>
@@ -2566,7 +2566,7 @@
           <a:p>
             <a:fld id="{CF0750D3-DDE0-42CE-98AF-A59F3AFCB4B1}" type="datetimeFigureOut">
               <a:rPr lang="en-CA" smtClean="0"/>
-              <a:t>2022-01-06</a:t>
+              <a:t>2022-01-07</a:t>
             </a:fld>
             <a:endParaRPr lang="en-CA"/>
           </a:p>
@@ -3375,8 +3375,13 @@
             </a:r>
             <a:r>
               <a:rPr lang="en-CA" sz="1387" dirty="0"/>
-              <a:t> (and bootstrapped DPP, if applicable)</a:t>
-            </a:r>
+              <a:t> (and/or </a:t>
+            </a:r>
+            <a:r>
+              <a:rPr lang="en-CA" sz="1387"/>
+              <a:t>bootstrapped DPP)</a:t>
+            </a:r>
+            <a:endParaRPr lang="en-CA" sz="1387" dirty="0"/>
           </a:p>
           <a:p>
             <a:pPr marL="330016" indent="-330016">
